--- a/slide/Seminar.pptx
+++ b/slide/Seminar.pptx
@@ -23,8 +23,9 @@
     <p:sldId id="294" r:id="rId17"/>
     <p:sldId id="295" r:id="rId18"/>
     <p:sldId id="272" r:id="rId19"/>
-    <p:sldId id="281" r:id="rId20"/>
-    <p:sldId id="282" r:id="rId21"/>
+    <p:sldId id="296" r:id="rId20"/>
+    <p:sldId id="281" r:id="rId21"/>
+    <p:sldId id="282" r:id="rId22"/>
   </p:sldIdLst>
   <p:sldSz cx="9144000" cy="6858000" type="screen4x3"/>
   <p:notesSz cx="6858000" cy="9144000"/>
@@ -307,7 +308,7 @@
           <a:p>
             <a:fld id="{6D0CECA6-B640-433B-87CE-5B791EA17950}" type="datetimeFigureOut">
               <a:rPr lang="en-US" smtClean="0"/>
-              <a:t>4/27/2017</a:t>
+              <a:t>5/7/2017</a:t>
             </a:fld>
             <a:endParaRPr lang="en-US"/>
           </a:p>
@@ -477,7 +478,7 @@
           <a:p>
             <a:fld id="{6D0CECA6-B640-433B-87CE-5B791EA17950}" type="datetimeFigureOut">
               <a:rPr lang="en-US" smtClean="0"/>
-              <a:t>4/27/2017</a:t>
+              <a:t>5/7/2017</a:t>
             </a:fld>
             <a:endParaRPr lang="en-US"/>
           </a:p>
@@ -657,7 +658,7 @@
           <a:p>
             <a:fld id="{6D0CECA6-B640-433B-87CE-5B791EA17950}" type="datetimeFigureOut">
               <a:rPr lang="en-US" smtClean="0"/>
-              <a:t>4/27/2017</a:t>
+              <a:t>5/7/2017</a:t>
             </a:fld>
             <a:endParaRPr lang="en-US"/>
           </a:p>
@@ -974,7 +975,7 @@
           <a:p>
             <a:fld id="{6D0CECA6-B640-433B-87CE-5B791EA17950}" type="datetimeFigureOut">
               <a:rPr lang="en-US" smtClean="0"/>
-              <a:t>4/27/2017</a:t>
+              <a:t>5/7/2017</a:t>
             </a:fld>
             <a:endParaRPr lang="en-US"/>
           </a:p>
@@ -1220,7 +1221,7 @@
           <a:p>
             <a:fld id="{6D0CECA6-B640-433B-87CE-5B791EA17950}" type="datetimeFigureOut">
               <a:rPr lang="en-US" smtClean="0"/>
-              <a:t>4/27/2017</a:t>
+              <a:t>5/7/2017</a:t>
             </a:fld>
             <a:endParaRPr lang="en-US"/>
           </a:p>
@@ -1508,7 +1509,7 @@
           <a:p>
             <a:fld id="{6D0CECA6-B640-433B-87CE-5B791EA17950}" type="datetimeFigureOut">
               <a:rPr lang="en-US" smtClean="0"/>
-              <a:t>4/27/2017</a:t>
+              <a:t>5/7/2017</a:t>
             </a:fld>
             <a:endParaRPr lang="en-US"/>
           </a:p>
@@ -1930,7 +1931,7 @@
           <a:p>
             <a:fld id="{6D0CECA6-B640-433B-87CE-5B791EA17950}" type="datetimeFigureOut">
               <a:rPr lang="en-US" smtClean="0"/>
-              <a:t>4/27/2017</a:t>
+              <a:t>5/7/2017</a:t>
             </a:fld>
             <a:endParaRPr lang="en-US"/>
           </a:p>
@@ -2048,7 +2049,7 @@
           <a:p>
             <a:fld id="{6D0CECA6-B640-433B-87CE-5B791EA17950}" type="datetimeFigureOut">
               <a:rPr lang="en-US" smtClean="0"/>
-              <a:t>4/27/2017</a:t>
+              <a:t>5/7/2017</a:t>
             </a:fld>
             <a:endParaRPr lang="en-US"/>
           </a:p>
@@ -2143,7 +2144,7 @@
           <a:p>
             <a:fld id="{6D0CECA6-B640-433B-87CE-5B791EA17950}" type="datetimeFigureOut">
               <a:rPr lang="en-US" smtClean="0"/>
-              <a:t>4/27/2017</a:t>
+              <a:t>5/7/2017</a:t>
             </a:fld>
             <a:endParaRPr lang="en-US"/>
           </a:p>
@@ -2420,7 +2421,7 @@
           <a:p>
             <a:fld id="{6D0CECA6-B640-433B-87CE-5B791EA17950}" type="datetimeFigureOut">
               <a:rPr lang="en-US" smtClean="0"/>
-              <a:t>4/27/2017</a:t>
+              <a:t>5/7/2017</a:t>
             </a:fld>
             <a:endParaRPr lang="en-US"/>
           </a:p>
@@ -2673,7 +2674,7 @@
           <a:p>
             <a:fld id="{6D0CECA6-B640-433B-87CE-5B791EA17950}" type="datetimeFigureOut">
               <a:rPr lang="en-US" smtClean="0"/>
-              <a:t>4/27/2017</a:t>
+              <a:t>5/7/2017</a:t>
             </a:fld>
             <a:endParaRPr lang="en-US"/>
           </a:p>
@@ -2886,7 +2887,7 @@
           <a:p>
             <a:fld id="{6D0CECA6-B640-433B-87CE-5B791EA17950}" type="datetimeFigureOut">
               <a:rPr lang="en-US" smtClean="0"/>
-              <a:t>4/27/2017</a:t>
+              <a:t>5/7/2017</a:t>
             </a:fld>
             <a:endParaRPr lang="en-US"/>
           </a:p>
@@ -4718,8 +4719,8 @@
         </p:nvSpPr>
         <p:spPr>
           <a:xfrm>
-            <a:off x="0" y="1828800"/>
-            <a:ext cx="9067800" cy="4666129"/>
+            <a:off x="152400" y="4773706"/>
+            <a:ext cx="8915400" cy="1721223"/>
           </a:xfrm>
         </p:spPr>
         <p:txBody>
@@ -4738,6 +4739,36 @@
           </a:p>
         </p:txBody>
       </p:sp>
+      <p:pic>
+        <p:nvPicPr>
+          <p:cNvPr id="4" name="Picture 3"/>
+          <p:cNvPicPr>
+            <a:picLocks noChangeAspect="1"/>
+          </p:cNvPicPr>
+          <p:nvPr/>
+        </p:nvPicPr>
+        <p:blipFill>
+          <a:blip r:embed="rId2">
+            <a:extLst>
+              <a:ext uri="{28A0092B-C50C-407E-A947-70E740481C1C}">
+                <a14:useLocalDpi xmlns:a14="http://schemas.microsoft.com/office/drawing/2010/main" val="0"/>
+              </a:ext>
+            </a:extLst>
+          </a:blip>
+          <a:stretch>
+            <a:fillRect/>
+          </a:stretch>
+        </p:blipFill>
+        <p:spPr>
+          <a:xfrm>
+            <a:off x="990600" y="1591235"/>
+            <a:ext cx="6667500" cy="2857500"/>
+          </a:xfrm>
+          <a:prstGeom prst="rect">
+            <a:avLst/>
+          </a:prstGeom>
+        </p:spPr>
+      </p:pic>
     </p:spTree>
     <p:extLst>
       <p:ext uri="{BB962C8B-B14F-4D97-AF65-F5344CB8AC3E}">
@@ -5148,8 +5179,8 @@
         </p:nvSpPr>
         <p:spPr>
           <a:xfrm>
-            <a:off x="0" y="1828800"/>
-            <a:ext cx="9067800" cy="4666129"/>
+            <a:off x="94128" y="5029200"/>
+            <a:ext cx="8973671" cy="1465729"/>
           </a:xfrm>
         </p:spPr>
         <p:txBody>
@@ -5160,7 +5191,13 @@
               <a:rPr lang="vi-VN" dirty="0" smtClean="0">
                 <a:latin typeface="Open Sans"/>
               </a:rPr>
-              <a:t>Chuyển action đến tất cả các Store đã đăng kí trướcc</a:t>
+              <a:t>Chuyển action đến tất cả các Store đã đăng kí </a:t>
+            </a:r>
+            <a:r>
+              <a:rPr lang="vi-VN" dirty="0" smtClean="0">
+                <a:latin typeface="Open Sans"/>
+              </a:rPr>
+              <a:t>trước</a:t>
             </a:r>
             <a:endParaRPr lang="en-US" dirty="0" smtClean="0">
               <a:latin typeface="Open Sans"/>
@@ -5168,6 +5205,36 @@
           </a:p>
         </p:txBody>
       </p:sp>
+      <p:pic>
+        <p:nvPicPr>
+          <p:cNvPr id="4" name="Picture 3"/>
+          <p:cNvPicPr>
+            <a:picLocks noChangeAspect="1"/>
+          </p:cNvPicPr>
+          <p:nvPr/>
+        </p:nvPicPr>
+        <p:blipFill>
+          <a:blip r:embed="rId2">
+            <a:extLst>
+              <a:ext uri="{28A0092B-C50C-407E-A947-70E740481C1C}">
+                <a14:useLocalDpi xmlns:a14="http://schemas.microsoft.com/office/drawing/2010/main" val="0"/>
+              </a:ext>
+            </a:extLst>
+          </a:blip>
+          <a:stretch>
+            <a:fillRect/>
+          </a:stretch>
+        </p:blipFill>
+        <p:spPr>
+          <a:xfrm>
+            <a:off x="1600200" y="1376082"/>
+            <a:ext cx="6057900" cy="3305175"/>
+          </a:xfrm>
+          <a:prstGeom prst="rect">
+            <a:avLst/>
+          </a:prstGeom>
+        </p:spPr>
+      </p:pic>
     </p:spTree>
     <p:extLst>
       <p:ext uri="{BB962C8B-B14F-4D97-AF65-F5344CB8AC3E}">
@@ -5578,8 +5645,8 @@
         </p:nvSpPr>
         <p:spPr>
           <a:xfrm>
-            <a:off x="0" y="1828800"/>
-            <a:ext cx="9067800" cy="4666129"/>
+            <a:off x="152400" y="5190566"/>
+            <a:ext cx="8915400" cy="968187"/>
           </a:xfrm>
         </p:spPr>
         <p:txBody>
@@ -5598,6 +5665,36 @@
           </a:p>
         </p:txBody>
       </p:sp>
+      <p:pic>
+        <p:nvPicPr>
+          <p:cNvPr id="4" name="Picture 3"/>
+          <p:cNvPicPr>
+            <a:picLocks noChangeAspect="1"/>
+          </p:cNvPicPr>
+          <p:nvPr/>
+        </p:nvPicPr>
+        <p:blipFill>
+          <a:blip r:embed="rId2">
+            <a:extLst>
+              <a:ext uri="{28A0092B-C50C-407E-A947-70E740481C1C}">
+                <a14:useLocalDpi xmlns:a14="http://schemas.microsoft.com/office/drawing/2010/main" val="0"/>
+              </a:ext>
+            </a:extLst>
+          </a:blip>
+          <a:stretch>
+            <a:fillRect/>
+          </a:stretch>
+        </p:blipFill>
+        <p:spPr>
+          <a:xfrm>
+            <a:off x="2514600" y="1447800"/>
+            <a:ext cx="3800475" cy="3295650"/>
+          </a:xfrm>
+          <a:prstGeom prst="rect">
+            <a:avLst/>
+          </a:prstGeom>
+        </p:spPr>
+      </p:pic>
     </p:spTree>
     <p:extLst>
       <p:ext uri="{BB962C8B-B14F-4D97-AF65-F5344CB8AC3E}">
@@ -6008,8 +6105,8 @@
         </p:nvSpPr>
         <p:spPr>
           <a:xfrm>
-            <a:off x="0" y="1828800"/>
-            <a:ext cx="9067800" cy="4666129"/>
+            <a:off x="188259" y="4953000"/>
+            <a:ext cx="8803342" cy="1541929"/>
           </a:xfrm>
         </p:spPr>
         <p:txBody>
@@ -6036,6 +6133,36 @@
           </a:p>
         </p:txBody>
       </p:sp>
+      <p:pic>
+        <p:nvPicPr>
+          <p:cNvPr id="4" name="Picture 3"/>
+          <p:cNvPicPr>
+            <a:picLocks noChangeAspect="1"/>
+          </p:cNvPicPr>
+          <p:nvPr/>
+        </p:nvPicPr>
+        <p:blipFill>
+          <a:blip r:embed="rId2">
+            <a:extLst>
+              <a:ext uri="{28A0092B-C50C-407E-A947-70E740481C1C}">
+                <a14:useLocalDpi xmlns:a14="http://schemas.microsoft.com/office/drawing/2010/main" val="0"/>
+              </a:ext>
+            </a:extLst>
+          </a:blip>
+          <a:stretch>
+            <a:fillRect/>
+          </a:stretch>
+        </p:blipFill>
+        <p:spPr>
+          <a:xfrm>
+            <a:off x="2743200" y="1515315"/>
+            <a:ext cx="3367088" cy="3206368"/>
+          </a:xfrm>
+          <a:prstGeom prst="rect">
+            <a:avLst/>
+          </a:prstGeom>
+        </p:spPr>
+      </p:pic>
     </p:spTree>
     <p:extLst>
       <p:ext uri="{BB962C8B-B14F-4D97-AF65-F5344CB8AC3E}">
@@ -8191,7 +8318,160 @@
       </p:grpSpPr>
       <p:sp>
         <p:nvSpPr>
-          <p:cNvPr id="3" name="Title 2"/>
+          <p:cNvPr id="12289" name="Slide Number Placeholder 5"/>
+          <p:cNvSpPr>
+            <a:spLocks noGrp="1"/>
+          </p:cNvSpPr>
+          <p:nvPr>
+            <p:ph type="sldNum" sz="quarter" idx="14"/>
+          </p:nvPr>
+        </p:nvSpPr>
+        <p:spPr bwMode="auto">
+          <a:extLst>
+            <a:ext uri="{91240B29-F687-4F45-9708-019B960494DF}">
+              <a14:hiddenLine xmlns:a14="http://schemas.microsoft.com/office/drawing/2010/main" w="9525">
+                <a:solidFill>
+                  <a:srgbClr val="000000"/>
+                </a:solidFill>
+                <a:miter lim="800000"/>
+                <a:headEnd/>
+                <a:tailEnd/>
+              </a14:hiddenLine>
+            </a:ext>
+          </a:extLst>
+        </p:spPr>
+        <p:txBody>
+          <a:bodyPr/>
+          <a:lstStyle>
+            <a:lvl1pPr>
+              <a:defRPr sz="1800">
+                <a:solidFill>
+                  <a:schemeClr val="tx1"/>
+                </a:solidFill>
+                <a:latin typeface="Calibri" pitchFamily="34" charset="0"/>
+                <a:ea typeface="MS PGothic" pitchFamily="34" charset="-128"/>
+              </a:defRPr>
+            </a:lvl1pPr>
+            <a:lvl2pPr marL="311965" indent="-119986">
+              <a:defRPr sz="1800">
+                <a:solidFill>
+                  <a:schemeClr val="tx1"/>
+                </a:solidFill>
+                <a:latin typeface="Calibri" pitchFamily="34" charset="0"/>
+                <a:ea typeface="MS PGothic" pitchFamily="34" charset="-128"/>
+              </a:defRPr>
+            </a:lvl2pPr>
+            <a:lvl3pPr marL="479946" indent="-95989">
+              <a:defRPr sz="1800">
+                <a:solidFill>
+                  <a:schemeClr val="tx1"/>
+                </a:solidFill>
+                <a:latin typeface="Calibri" pitchFamily="34" charset="0"/>
+                <a:ea typeface="MS PGothic" pitchFamily="34" charset="-128"/>
+              </a:defRPr>
+            </a:lvl3pPr>
+            <a:lvl4pPr marL="671924" indent="-95989">
+              <a:defRPr sz="1800">
+                <a:solidFill>
+                  <a:schemeClr val="tx1"/>
+                </a:solidFill>
+                <a:latin typeface="Calibri" pitchFamily="34" charset="0"/>
+                <a:ea typeface="MS PGothic" pitchFamily="34" charset="-128"/>
+              </a:defRPr>
+            </a:lvl4pPr>
+            <a:lvl5pPr marL="863902" indent="-95989">
+              <a:defRPr sz="1800">
+                <a:solidFill>
+                  <a:schemeClr val="tx1"/>
+                </a:solidFill>
+                <a:latin typeface="Calibri" pitchFamily="34" charset="0"/>
+                <a:ea typeface="MS PGothic" pitchFamily="34" charset="-128"/>
+              </a:defRPr>
+            </a:lvl5pPr>
+            <a:lvl6pPr marL="1055881" indent="-95989" defTabSz="456615" fontAlgn="base">
+              <a:spcBef>
+                <a:spcPct val="0"/>
+              </a:spcBef>
+              <a:spcAft>
+                <a:spcPct val="0"/>
+              </a:spcAft>
+              <a:defRPr sz="1800">
+                <a:solidFill>
+                  <a:schemeClr val="tx1"/>
+                </a:solidFill>
+                <a:latin typeface="Calibri" pitchFamily="34" charset="0"/>
+                <a:ea typeface="MS PGothic" pitchFamily="34" charset="-128"/>
+              </a:defRPr>
+            </a:lvl6pPr>
+            <a:lvl7pPr marL="1247859" indent="-95989" defTabSz="456615" fontAlgn="base">
+              <a:spcBef>
+                <a:spcPct val="0"/>
+              </a:spcBef>
+              <a:spcAft>
+                <a:spcPct val="0"/>
+              </a:spcAft>
+              <a:defRPr sz="1800">
+                <a:solidFill>
+                  <a:schemeClr val="tx1"/>
+                </a:solidFill>
+                <a:latin typeface="Calibri" pitchFamily="34" charset="0"/>
+                <a:ea typeface="MS PGothic" pitchFamily="34" charset="-128"/>
+              </a:defRPr>
+            </a:lvl7pPr>
+            <a:lvl8pPr marL="1439837" indent="-95989" defTabSz="456615" fontAlgn="base">
+              <a:spcBef>
+                <a:spcPct val="0"/>
+              </a:spcBef>
+              <a:spcAft>
+                <a:spcPct val="0"/>
+              </a:spcAft>
+              <a:defRPr sz="1800">
+                <a:solidFill>
+                  <a:schemeClr val="tx1"/>
+                </a:solidFill>
+                <a:latin typeface="Calibri" pitchFamily="34" charset="0"/>
+                <a:ea typeface="MS PGothic" pitchFamily="34" charset="-128"/>
+              </a:defRPr>
+            </a:lvl8pPr>
+            <a:lvl9pPr marL="1631815" indent="-95989" defTabSz="456615" fontAlgn="base">
+              <a:spcBef>
+                <a:spcPct val="0"/>
+              </a:spcBef>
+              <a:spcAft>
+                <a:spcPct val="0"/>
+              </a:spcAft>
+              <a:defRPr sz="1800">
+                <a:solidFill>
+                  <a:schemeClr val="tx1"/>
+                </a:solidFill>
+                <a:latin typeface="Calibri" pitchFamily="34" charset="0"/>
+                <a:ea typeface="MS PGothic" pitchFamily="34" charset="-128"/>
+              </a:defRPr>
+            </a:lvl9pPr>
+          </a:lstStyle>
+          <a:p>
+            <a:fld id="{F8172E41-31CC-4B44-9431-7051A80EF008}" type="slidenum">
+              <a:rPr lang="en-US" sz="800">
+                <a:solidFill>
+                  <a:schemeClr val="bg1"/>
+                </a:solidFill>
+                <a:latin typeface="Open Sans" charset="0"/>
+              </a:rPr>
+              <a:pPr/>
+              <a:t>19</a:t>
+            </a:fld>
+            <a:endParaRPr lang="en-US" sz="800">
+              <a:solidFill>
+                <a:schemeClr val="bg1"/>
+              </a:solidFill>
+              <a:latin typeface="Open Sans" charset="0"/>
+            </a:endParaRPr>
+          </a:p>
+        </p:txBody>
+      </p:sp>
+      <p:sp>
+        <p:nvSpPr>
+          <p:cNvPr id="2" name="Title 1"/>
           <p:cNvSpPr>
             <a:spLocks noGrp="1"/>
           </p:cNvSpPr>
@@ -8201,23 +8481,44 @@
         </p:nvSpPr>
         <p:spPr>
           <a:xfrm>
-            <a:off x="1828800" y="533400"/>
-            <a:ext cx="5575148" cy="595211"/>
+            <a:off x="1" y="533400"/>
+            <a:ext cx="9144000" cy="594519"/>
           </a:xfrm>
         </p:spPr>
         <p:txBody>
           <a:bodyPr/>
           <a:lstStyle/>
           <a:p>
-            <a:endParaRPr lang="en-US" dirty="0"/>
+            <a:endParaRPr lang="en-US" sz="4000" b="1" dirty="0" smtClean="0">
+              <a:latin typeface="Open Sans" charset="0"/>
+            </a:endParaRPr>
+          </a:p>
+        </p:txBody>
+      </p:sp>
+      <p:sp>
+        <p:nvSpPr>
+          <p:cNvPr id="5" name="Subtitle 4"/>
+          <p:cNvSpPr>
+            <a:spLocks noGrp="1"/>
+          </p:cNvSpPr>
+          <p:nvPr>
+            <p:ph type="subTitle" idx="1"/>
+          </p:nvPr>
+        </p:nvSpPr>
+        <p:spPr/>
+        <p:txBody>
+          <a:bodyPr/>
+          <a:lstStyle/>
+          <a:p>
+            <a:endParaRPr lang="en-US"/>
           </a:p>
         </p:txBody>
       </p:sp>
       <p:pic>
         <p:nvPicPr>
-          <p:cNvPr id="5" name="Picture 4"/>
+          <p:cNvPr id="1026" name="Picture 2"/>
           <p:cNvPicPr>
-            <a:picLocks noChangeAspect="1"/>
+            <a:picLocks noChangeAspect="1" noChangeArrowheads="1"/>
           </p:cNvPicPr>
           <p:nvPr/>
         </p:nvPicPr>
@@ -8229,24 +8530,58 @@
               </a:ext>
             </a:extLst>
           </a:blip>
+          <a:srcRect/>
           <a:stretch>
             <a:fillRect/>
           </a:stretch>
         </p:blipFill>
-        <p:spPr>
+        <p:spPr bwMode="auto">
           <a:xfrm>
-            <a:off x="1752600" y="228600"/>
-            <a:ext cx="5792391" cy="6355081"/>
+            <a:off x="661988" y="1091734"/>
+            <a:ext cx="7818437" cy="4638675"/>
           </a:xfrm>
           <a:prstGeom prst="rect">
             <a:avLst/>
           </a:prstGeom>
+          <a:noFill/>
+          <a:ln>
+            <a:noFill/>
+          </a:ln>
+          <a:effectLst/>
+          <a:extLst>
+            <a:ext uri="{909E8E84-426E-40DD-AFC4-6F175D3DCCD1}">
+              <a14:hiddenFill xmlns:a14="http://schemas.microsoft.com/office/drawing/2010/main">
+                <a:solidFill>
+                  <a:schemeClr val="accent1"/>
+                </a:solidFill>
+              </a14:hiddenFill>
+            </a:ext>
+            <a:ext uri="{91240B29-F687-4F45-9708-019B960494DF}">
+              <a14:hiddenLine xmlns:a14="http://schemas.microsoft.com/office/drawing/2010/main" w="9525">
+                <a:solidFill>
+                  <a:schemeClr val="tx1"/>
+                </a:solidFill>
+                <a:miter lim="800000"/>
+                <a:headEnd/>
+                <a:tailEnd/>
+              </a14:hiddenLine>
+            </a:ext>
+            <a:ext uri="{AF507438-7753-43E0-B8FC-AC1667EBCBE1}">
+              <a14:hiddenEffects xmlns:a14="http://schemas.microsoft.com/office/drawing/2010/main">
+                <a:effectLst>
+                  <a:outerShdw dist="35921" dir="2700000" algn="ctr" rotWithShape="0">
+                    <a:schemeClr val="bg2"/>
+                  </a:outerShdw>
+                </a:effectLst>
+              </a14:hiddenEffects>
+            </a:ext>
+          </a:extLst>
         </p:spPr>
       </p:pic>
     </p:spTree>
     <p:extLst>
       <p:ext uri="{BB962C8B-B14F-4D97-AF65-F5344CB8AC3E}">
-        <p14:creationId xmlns:p14="http://schemas.microsoft.com/office/powerpoint/2010/main" val="2196306025"/>
+        <p14:creationId xmlns:p14="http://schemas.microsoft.com/office/powerpoint/2010/main" val="1624100088"/>
       </p:ext>
     </p:extLst>
   </p:cSld>
@@ -8259,9 +8594,142 @@
   <p:timing>
     <p:tnLst>
       <p:par>
-        <p:cTn id="1" dur="indefinite" restart="never" nodeType="tmRoot"/>
+        <p:cTn id="1" dur="indefinite" restart="never" nodeType="tmRoot">
+          <p:childTnLst>
+            <p:seq concurrent="1" nextAc="seek">
+              <p:cTn id="2" dur="indefinite" nodeType="mainSeq">
+                <p:childTnLst>
+                  <p:par>
+                    <p:cTn id="3" fill="hold" nodeType="clickPar">
+                      <p:stCondLst>
+                        <p:cond delay="indefinite"/>
+                        <p:cond evt="onBegin" delay="0">
+                          <p:tn val="2"/>
+                        </p:cond>
+                      </p:stCondLst>
+                      <p:childTnLst>
+                        <p:par>
+                          <p:cTn id="4" fill="hold" nodeType="withGroup">
+                            <p:stCondLst>
+                              <p:cond delay="0"/>
+                            </p:stCondLst>
+                            <p:childTnLst>
+                              <p:par>
+                                <p:cTn id="5" presetID="53" presetClass="entr" presetSubtype="16" fill="hold" grpId="0" nodeType="afterEffect" nodePh="1">
+                                  <p:stCondLst>
+                                    <p:cond delay="0"/>
+                                  </p:stCondLst>
+                                  <p:endCondLst>
+                                    <p:cond evt="begin" delay="0">
+                                      <p:tn val="5"/>
+                                    </p:cond>
+                                  </p:endCondLst>
+                                  <p:childTnLst>
+                                    <p:set>
+                                      <p:cBhvr>
+                                        <p:cTn id="6" dur="1" fill="hold">
+                                          <p:stCondLst>
+                                            <p:cond delay="0"/>
+                                          </p:stCondLst>
+                                        </p:cTn>
+                                        <p:tgtEl>
+                                          <p:spTgt spid="2"/>
+                                        </p:tgtEl>
+                                        <p:attrNameLst>
+                                          <p:attrName>style.visibility</p:attrName>
+                                        </p:attrNameLst>
+                                      </p:cBhvr>
+                                      <p:to>
+                                        <p:strVal val="visible"/>
+                                      </p:to>
+                                    </p:set>
+                                    <p:anim calcmode="lin" valueType="num">
+                                      <p:cBhvr>
+                                        <p:cTn id="7" dur="500" fill="hold"/>
+                                        <p:tgtEl>
+                                          <p:spTgt spid="2"/>
+                                        </p:tgtEl>
+                                        <p:attrNameLst>
+                                          <p:attrName>ppt_w</p:attrName>
+                                        </p:attrNameLst>
+                                      </p:cBhvr>
+                                      <p:tavLst>
+                                        <p:tav tm="0">
+                                          <p:val>
+                                            <p:fltVal val="0"/>
+                                          </p:val>
+                                        </p:tav>
+                                        <p:tav tm="100000">
+                                          <p:val>
+                                            <p:strVal val="#ppt_w"/>
+                                          </p:val>
+                                        </p:tav>
+                                      </p:tavLst>
+                                    </p:anim>
+                                    <p:anim calcmode="lin" valueType="num">
+                                      <p:cBhvr>
+                                        <p:cTn id="8" dur="500" fill="hold"/>
+                                        <p:tgtEl>
+                                          <p:spTgt spid="2"/>
+                                        </p:tgtEl>
+                                        <p:attrNameLst>
+                                          <p:attrName>ppt_h</p:attrName>
+                                        </p:attrNameLst>
+                                      </p:cBhvr>
+                                      <p:tavLst>
+                                        <p:tav tm="0">
+                                          <p:val>
+                                            <p:fltVal val="0"/>
+                                          </p:val>
+                                        </p:tav>
+                                        <p:tav tm="100000">
+                                          <p:val>
+                                            <p:strVal val="#ppt_h"/>
+                                          </p:val>
+                                        </p:tav>
+                                      </p:tavLst>
+                                    </p:anim>
+                                    <p:animEffect transition="in" filter="fade">
+                                      <p:cBhvr>
+                                        <p:cTn id="9" dur="500"/>
+                                        <p:tgtEl>
+                                          <p:spTgt spid="2"/>
+                                        </p:tgtEl>
+                                      </p:cBhvr>
+                                    </p:animEffect>
+                                  </p:childTnLst>
+                                </p:cTn>
+                              </p:par>
+                            </p:childTnLst>
+                          </p:cTn>
+                        </p:par>
+                      </p:childTnLst>
+                    </p:cTn>
+                  </p:par>
+                </p:childTnLst>
+              </p:cTn>
+              <p:prevCondLst>
+                <p:cond evt="onPrev" delay="0">
+                  <p:tgtEl>
+                    <p:sldTgt/>
+                  </p:tgtEl>
+                </p:cond>
+              </p:prevCondLst>
+              <p:nextCondLst>
+                <p:cond evt="onNext" delay="0">
+                  <p:tgtEl>
+                    <p:sldTgt/>
+                  </p:tgtEl>
+                </p:cond>
+              </p:nextCondLst>
+            </p:seq>
+          </p:childTnLst>
+        </p:cTn>
       </p:par>
     </p:tnLst>
+    <p:bldLst>
+      <p:bldP spid="2" grpId="0"/>
+    </p:bldLst>
   </p:timing>
 </p:sld>
 </file>
@@ -11305,6 +11773,100 @@
           <a:chExt cx="0" cy="0"/>
         </a:xfrm>
       </p:grpSpPr>
+      <p:sp>
+        <p:nvSpPr>
+          <p:cNvPr id="3" name="Title 2"/>
+          <p:cNvSpPr>
+            <a:spLocks noGrp="1"/>
+          </p:cNvSpPr>
+          <p:nvPr>
+            <p:ph type="ctrTitle"/>
+          </p:nvPr>
+        </p:nvSpPr>
+        <p:spPr>
+          <a:xfrm>
+            <a:off x="1828800" y="533400"/>
+            <a:ext cx="5575148" cy="595211"/>
+          </a:xfrm>
+        </p:spPr>
+        <p:txBody>
+          <a:bodyPr/>
+          <a:lstStyle/>
+          <a:p>
+            <a:endParaRPr lang="en-US" dirty="0"/>
+          </a:p>
+        </p:txBody>
+      </p:sp>
+      <p:pic>
+        <p:nvPicPr>
+          <p:cNvPr id="5" name="Picture 4"/>
+          <p:cNvPicPr>
+            <a:picLocks noChangeAspect="1"/>
+          </p:cNvPicPr>
+          <p:nvPr/>
+        </p:nvPicPr>
+        <p:blipFill>
+          <a:blip r:embed="rId2">
+            <a:extLst>
+              <a:ext uri="{28A0092B-C50C-407E-A947-70E740481C1C}">
+                <a14:useLocalDpi xmlns:a14="http://schemas.microsoft.com/office/drawing/2010/main" val="0"/>
+              </a:ext>
+            </a:extLst>
+          </a:blip>
+          <a:stretch>
+            <a:fillRect/>
+          </a:stretch>
+        </p:blipFill>
+        <p:spPr>
+          <a:xfrm>
+            <a:off x="1752600" y="228600"/>
+            <a:ext cx="5792391" cy="6355081"/>
+          </a:xfrm>
+          <a:prstGeom prst="rect">
+            <a:avLst/>
+          </a:prstGeom>
+        </p:spPr>
+      </p:pic>
+    </p:spTree>
+    <p:extLst>
+      <p:ext uri="{BB962C8B-B14F-4D97-AF65-F5344CB8AC3E}">
+        <p14:creationId xmlns:p14="http://schemas.microsoft.com/office/powerpoint/2010/main" val="2196306025"/>
+      </p:ext>
+    </p:extLst>
+  </p:cSld>
+  <p:clrMapOvr>
+    <a:masterClrMapping/>
+  </p:clrMapOvr>
+  <p:transition spd="med">
+    <p:fade/>
+  </p:transition>
+  <p:timing>
+    <p:tnLst>
+      <p:par>
+        <p:cTn id="1" dur="indefinite" restart="never" nodeType="tmRoot"/>
+      </p:par>
+    </p:tnLst>
+  </p:timing>
+</p:sld>
+</file>
+
+<file path=ppt/slides/slide21.xml><?xml version="1.0" encoding="utf-8"?>
+<p:sld xmlns:a="http://schemas.openxmlformats.org/drawingml/2006/main" xmlns:r="http://schemas.openxmlformats.org/officeDocument/2006/relationships" xmlns:p="http://schemas.openxmlformats.org/presentationml/2006/main">
+  <p:cSld>
+    <p:spTree>
+      <p:nvGrpSpPr>
+        <p:cNvPr id="1" name=""/>
+        <p:cNvGrpSpPr/>
+        <p:nvPr/>
+      </p:nvGrpSpPr>
+      <p:grpSpPr>
+        <a:xfrm>
+          <a:off x="0" y="0"/>
+          <a:ext cx="0" cy="0"/>
+          <a:chOff x="0" y="0"/>
+          <a:chExt cx="0" cy="0"/>
+        </a:xfrm>
+      </p:grpSpPr>
       <p:pic>
         <p:nvPicPr>
           <p:cNvPr id="5" name="Picture 4"/>
